--- a/Branding pitch.pptx
+++ b/Branding pitch.pptx
@@ -114,6 +114,11 @@
       </a:defRPr>
     </a:lvl9pPr>
   </p:defaultTextStyle>
+  <p:extLst>
+    <p:ext uri="{EFAFB233-063F-42B5-8137-9DF3F51BA10A}">
+      <p15:sldGuideLst xmlns:p15="http://schemas.microsoft.com/office/powerpoint/2012/main"/>
+    </p:ext>
+  </p:extLst>
 </p:presentation>
 </file>
 
@@ -347,7 +352,7 @@
             <a:fld id="{B61BEF0D-F0BB-DE4B-95CE-6DB70DBA9567}" type="datetimeFigureOut">
               <a:rPr lang="en-US" dirty="0"/>
               <a:pPr/>
-              <a:t>11/27/2017</a:t>
+              <a:t>11/28/2017</a:t>
             </a:fld>
             <a:endParaRPr lang="en-US" dirty="0"/>
           </a:p>
@@ -678,7 +683,7 @@
             <a:fld id="{B61BEF0D-F0BB-DE4B-95CE-6DB70DBA9567}" type="datetimeFigureOut">
               <a:rPr lang="en-US" dirty="0"/>
               <a:pPr/>
-              <a:t>11/27/2017</a:t>
+              <a:t>11/28/2017</a:t>
             </a:fld>
             <a:endParaRPr lang="en-US" dirty="0"/>
           </a:p>
@@ -953,7 +958,7 @@
             <a:fld id="{B61BEF0D-F0BB-DE4B-95CE-6DB70DBA9567}" type="datetimeFigureOut">
               <a:rPr lang="en-US" dirty="0"/>
               <a:pPr/>
-              <a:t>11/27/2017</a:t>
+              <a:t>11/28/2017</a:t>
             </a:fld>
             <a:endParaRPr lang="en-US" dirty="0"/>
           </a:p>
@@ -1518,7 +1523,7 @@
             <a:fld id="{B61BEF0D-F0BB-DE4B-95CE-6DB70DBA9567}" type="datetimeFigureOut">
               <a:rPr lang="en-US" dirty="0"/>
               <a:pPr/>
-              <a:t>11/27/2017</a:t>
+              <a:t>11/28/2017</a:t>
             </a:fld>
             <a:endParaRPr lang="en-US" dirty="0"/>
           </a:p>
@@ -1793,7 +1798,7 @@
             <a:fld id="{B61BEF0D-F0BB-DE4B-95CE-6DB70DBA9567}" type="datetimeFigureOut">
               <a:rPr lang="en-US" dirty="0"/>
               <a:pPr/>
-              <a:t>11/27/2017</a:t>
+              <a:t>11/28/2017</a:t>
             </a:fld>
             <a:endParaRPr lang="en-US" dirty="0"/>
           </a:p>
@@ -2352,7 +2357,7 @@
             <a:fld id="{B61BEF0D-F0BB-DE4B-95CE-6DB70DBA9567}" type="datetimeFigureOut">
               <a:rPr lang="en-US" dirty="0"/>
               <a:pPr/>
-              <a:t>11/27/2017</a:t>
+              <a:t>11/28/2017</a:t>
             </a:fld>
             <a:endParaRPr lang="en-US" dirty="0"/>
           </a:p>
@@ -2676,7 +2681,7 @@
             <a:fld id="{B61BEF0D-F0BB-DE4B-95CE-6DB70DBA9567}" type="datetimeFigureOut">
               <a:rPr lang="en-US" dirty="0"/>
               <a:pPr/>
-              <a:t>11/27/2017</a:t>
+              <a:t>11/28/2017</a:t>
             </a:fld>
             <a:endParaRPr lang="en-US" dirty="0"/>
           </a:p>
@@ -2878,7 +2883,7 @@
             <a:fld id="{B61BEF0D-F0BB-DE4B-95CE-6DB70DBA9567}" type="datetimeFigureOut">
               <a:rPr lang="en-US" dirty="0"/>
               <a:pPr/>
-              <a:t>11/27/2017</a:t>
+              <a:t>11/28/2017</a:t>
             </a:fld>
             <a:endParaRPr lang="en-US" dirty="0"/>
           </a:p>
@@ -3085,7 +3090,7 @@
             <a:fld id="{B61BEF0D-F0BB-DE4B-95CE-6DB70DBA9567}" type="datetimeFigureOut">
               <a:rPr lang="en-US" dirty="0"/>
               <a:pPr/>
-              <a:t>11/27/2017</a:t>
+              <a:t>11/28/2017</a:t>
             </a:fld>
             <a:endParaRPr lang="en-US" dirty="0"/>
           </a:p>
@@ -3282,7 +3287,7 @@
             <a:fld id="{B61BEF0D-F0BB-DE4B-95CE-6DB70DBA9567}" type="datetimeFigureOut">
               <a:rPr lang="en-US" dirty="0"/>
               <a:pPr/>
-              <a:t>11/27/2017</a:t>
+              <a:t>11/28/2017</a:t>
             </a:fld>
             <a:endParaRPr lang="en-US" dirty="0"/>
           </a:p>
@@ -3555,7 +3560,7 @@
             <a:fld id="{B61BEF0D-F0BB-DE4B-95CE-6DB70DBA9567}" type="datetimeFigureOut">
               <a:rPr lang="en-US" dirty="0"/>
               <a:pPr/>
-              <a:t>11/27/2017</a:t>
+              <a:t>11/28/2017</a:t>
             </a:fld>
             <a:endParaRPr lang="en-US" dirty="0"/>
           </a:p>
@@ -3818,7 +3823,7 @@
             <a:fld id="{B61BEF0D-F0BB-DE4B-95CE-6DB70DBA9567}" type="datetimeFigureOut">
               <a:rPr lang="en-US" dirty="0"/>
               <a:pPr/>
-              <a:t>11/27/2017</a:t>
+              <a:t>11/28/2017</a:t>
             </a:fld>
             <a:endParaRPr lang="en-US" dirty="0"/>
           </a:p>
@@ -4189,7 +4194,7 @@
             <a:fld id="{B61BEF0D-F0BB-DE4B-95CE-6DB70DBA9567}" type="datetimeFigureOut">
               <a:rPr lang="en-US" dirty="0"/>
               <a:pPr/>
-              <a:t>11/27/2017</a:t>
+              <a:t>11/28/2017</a:t>
             </a:fld>
             <a:endParaRPr lang="en-US" dirty="0"/>
           </a:p>
@@ -4334,7 +4339,7 @@
             <a:fld id="{B61BEF0D-F0BB-DE4B-95CE-6DB70DBA9567}" type="datetimeFigureOut">
               <a:rPr lang="en-US" dirty="0"/>
               <a:pPr/>
-              <a:t>11/27/2017</a:t>
+              <a:t>11/28/2017</a:t>
             </a:fld>
             <a:endParaRPr lang="en-US" dirty="0"/>
           </a:p>
@@ -4456,7 +4461,7 @@
             <a:fld id="{B61BEF0D-F0BB-DE4B-95CE-6DB70DBA9567}" type="datetimeFigureOut">
               <a:rPr lang="en-US" dirty="0"/>
               <a:pPr/>
-              <a:t>11/27/2017</a:t>
+              <a:t>11/28/2017</a:t>
             </a:fld>
             <a:endParaRPr lang="en-US" dirty="0"/>
           </a:p>
@@ -4738,7 +4743,7 @@
             <a:fld id="{B61BEF0D-F0BB-DE4B-95CE-6DB70DBA9567}" type="datetimeFigureOut">
               <a:rPr lang="en-US" dirty="0"/>
               <a:pPr/>
-              <a:t>11/27/2017</a:t>
+              <a:t>11/28/2017</a:t>
             </a:fld>
             <a:endParaRPr lang="en-US" dirty="0"/>
           </a:p>
@@ -5059,7 +5064,7 @@
             <a:fld id="{B61BEF0D-F0BB-DE4B-95CE-6DB70DBA9567}" type="datetimeFigureOut">
               <a:rPr lang="en-US" dirty="0"/>
               <a:pPr/>
-              <a:t>11/27/2017</a:t>
+              <a:t>11/28/2017</a:t>
             </a:fld>
             <a:endParaRPr lang="en-US" dirty="0"/>
           </a:p>
@@ -5270,7 +5275,7 @@
             <a:fld id="{B61BEF0D-F0BB-DE4B-95CE-6DB70DBA9567}" type="datetimeFigureOut">
               <a:rPr lang="en-US" dirty="0"/>
               <a:pPr/>
-              <a:t>11/27/2017</a:t>
+              <a:t>11/28/2017</a:t>
             </a:fld>
             <a:endParaRPr lang="en-US" dirty="0"/>
           </a:p>
@@ -5839,13 +5844,13 @@
   <p:clrMapOvr>
     <a:masterClrMapping/>
   </p:clrMapOvr>
-  <mc:AlternateContent xmlns:mc="http://schemas.openxmlformats.org/markup-compatibility/2006">
-    <mc:Choice xmlns:p14="http://schemas.microsoft.com/office/powerpoint/2010/main" Requires="p14">
+  <mc:AlternateContent xmlns:mc="http://schemas.openxmlformats.org/markup-compatibility/2006" xmlns:p14="http://schemas.microsoft.com/office/powerpoint/2010/main">
+    <mc:Choice Requires="p14">
       <p:transition spd="med" p14:dur="700">
         <p:fade/>
       </p:transition>
     </mc:Choice>
-    <mc:Fallback>
+    <mc:Fallback xmlns="">
       <p:transition spd="med">
         <p:fade/>
       </p:transition>
@@ -5923,15 +5928,15 @@
           <a:p>
             <a:r>
               <a:rPr lang="en-US" dirty="0" smtClean="0"/>
-              <a:t>Hi!  My name is Jimmy.  I </a:t>
-            </a:r>
-            <a:r>
-              <a:rPr lang="en-US" smtClean="0"/>
-              <a:t>have X </a:t>
+              <a:t>Hi!  My name is Jimmy.  I have X amount of experience in retail sales and I </a:t>
             </a:r>
             <a:r>
               <a:rPr lang="en-US" dirty="0" smtClean="0"/>
-              <a:t>amount of experience in retail sales and I help people find the right product based on their needs.</a:t>
+              <a:t>helped </a:t>
+            </a:r>
+            <a:r>
+              <a:rPr lang="en-US" dirty="0" smtClean="0"/>
+              <a:t>people find the right product based on their needs.</a:t>
             </a:r>
           </a:p>
           <a:p>
@@ -6188,7 +6193,15 @@
           <a:p>
             <a:r>
               <a:rPr lang="en-US" dirty="0" smtClean="0"/>
-              <a:t>I help people find what they need.</a:t>
+              <a:t>I </a:t>
+            </a:r>
+            <a:r>
+              <a:rPr lang="en-US" dirty="0" smtClean="0"/>
+              <a:t>helped </a:t>
+            </a:r>
+            <a:r>
+              <a:rPr lang="en-US" dirty="0" smtClean="0"/>
+              <a:t>people find what they need.</a:t>
             </a:r>
           </a:p>
           <a:p>
@@ -6200,7 +6213,31 @@
           <a:p>
             <a:r>
               <a:rPr lang="en-US" dirty="0" smtClean="0"/>
-              <a:t>I exceeded sales quota, earned customer trust, retained customers, and increased client base.</a:t>
+              <a:t>I </a:t>
+            </a:r>
+            <a:r>
+              <a:rPr lang="en-US" dirty="0" smtClean="0"/>
+              <a:t>exceeded </a:t>
+            </a:r>
+            <a:r>
+              <a:rPr lang="en-US" dirty="0" smtClean="0"/>
+              <a:t>sales quota, </a:t>
+            </a:r>
+            <a:r>
+              <a:rPr lang="en-US" dirty="0" smtClean="0"/>
+              <a:t>earned </a:t>
+            </a:r>
+            <a:r>
+              <a:rPr lang="en-US" dirty="0" smtClean="0"/>
+              <a:t>customer trust, </a:t>
+            </a:r>
+            <a:r>
+              <a:rPr lang="en-US" dirty="0" smtClean="0"/>
+              <a:t>retained </a:t>
+            </a:r>
+            <a:r>
+              <a:rPr lang="en-US" dirty="0" smtClean="0"/>
+              <a:t>customers, and increased client base.</a:t>
             </a:r>
             <a:endParaRPr lang="en-US" dirty="0"/>
           </a:p>
@@ -6216,13 +6253,13 @@
   <p:clrMapOvr>
     <a:masterClrMapping/>
   </p:clrMapOvr>
-  <mc:AlternateContent xmlns:mc="http://schemas.openxmlformats.org/markup-compatibility/2006">
-    <mc:Choice xmlns:p14="http://schemas.microsoft.com/office/powerpoint/2010/main" Requires="p14">
+  <mc:AlternateContent xmlns:mc="http://schemas.openxmlformats.org/markup-compatibility/2006" xmlns:p14="http://schemas.microsoft.com/office/powerpoint/2010/main">
+    <mc:Choice Requires="p14">
       <p:transition spd="med" p14:dur="700">
         <p:fade/>
       </p:transition>
     </mc:Choice>
-    <mc:Fallback>
+    <mc:Fallback xmlns="">
       <p:transition spd="med">
         <p:fade/>
       </p:transition>
@@ -6578,13 +6615,13 @@
   <p:clrMapOvr>
     <a:masterClrMapping/>
   </p:clrMapOvr>
-  <mc:AlternateContent xmlns:mc="http://schemas.openxmlformats.org/markup-compatibility/2006">
-    <mc:Choice xmlns:p14="http://schemas.microsoft.com/office/powerpoint/2010/main" Requires="p14">
+  <mc:AlternateContent xmlns:mc="http://schemas.openxmlformats.org/markup-compatibility/2006" xmlns:p14="http://schemas.microsoft.com/office/powerpoint/2010/main">
+    <mc:Choice Requires="p14">
       <p:transition spd="med" p14:dur="700">
         <p:fade/>
       </p:transition>
     </mc:Choice>
-    <mc:Fallback>
+    <mc:Fallback xmlns="">
       <p:transition spd="med">
         <p:fade/>
       </p:transition>
@@ -6661,7 +6698,15 @@
           <a:p>
             <a:r>
               <a:rPr lang="en-US" sz="3200" dirty="0" smtClean="0"/>
-              <a:t>What is a Branding Pitch</a:t>
+              <a:t>What is </a:t>
+            </a:r>
+            <a:r>
+              <a:rPr lang="en-US" sz="3200" dirty="0" smtClean="0"/>
+              <a:t>the </a:t>
+            </a:r>
+            <a:r>
+              <a:rPr lang="en-US" sz="3200" dirty="0" smtClean="0"/>
+              <a:t>Branding Pitch</a:t>
             </a:r>
           </a:p>
           <a:p>
@@ -6695,13 +6740,13 @@
   <p:clrMapOvr>
     <a:masterClrMapping/>
   </p:clrMapOvr>
-  <mc:AlternateContent xmlns:mc="http://schemas.openxmlformats.org/markup-compatibility/2006">
-    <mc:Choice xmlns:p14="http://schemas.microsoft.com/office/powerpoint/2010/main" Requires="p14">
+  <mc:AlternateContent xmlns:mc="http://schemas.openxmlformats.org/markup-compatibility/2006" xmlns:p14="http://schemas.microsoft.com/office/powerpoint/2010/main">
+    <mc:Choice Requires="p14">
       <p:transition spd="med" p14:dur="700">
         <p:fade/>
       </p:transition>
     </mc:Choice>
-    <mc:Fallback>
+    <mc:Fallback xmlns="">
       <p:transition spd="med">
         <p:fade/>
       </p:transition>
@@ -7210,7 +7255,23 @@
             </a:pPr>
             <a:r>
               <a:rPr lang="en-US" sz="3200" dirty="0" smtClean="0"/>
-              <a:t>Job seekers use branding pitch to address their unique selling proposition.  </a:t>
+              <a:t>Job seekers use </a:t>
+            </a:r>
+            <a:r>
+              <a:rPr lang="en-US" sz="3200" dirty="0" smtClean="0"/>
+              <a:t>the Branding </a:t>
+            </a:r>
+            <a:r>
+              <a:rPr lang="en-US" sz="3200" dirty="0"/>
+              <a:t>P</a:t>
+            </a:r>
+            <a:r>
+              <a:rPr lang="en-US" sz="3200" dirty="0" smtClean="0"/>
+              <a:t>itch </a:t>
+            </a:r>
+            <a:r>
+              <a:rPr lang="en-US" sz="3200" dirty="0" smtClean="0"/>
+              <a:t>to address their unique selling proposition.  </a:t>
             </a:r>
           </a:p>
           <a:p>
@@ -7254,13 +7315,13 @@
   <p:clrMapOvr>
     <a:masterClrMapping/>
   </p:clrMapOvr>
-  <mc:AlternateContent xmlns:mc="http://schemas.openxmlformats.org/markup-compatibility/2006">
-    <mc:Choice xmlns:p14="http://schemas.microsoft.com/office/powerpoint/2010/main" Requires="p14">
+  <mc:AlternateContent xmlns:mc="http://schemas.openxmlformats.org/markup-compatibility/2006" xmlns:p14="http://schemas.microsoft.com/office/powerpoint/2010/main">
+    <mc:Choice Requires="p14">
       <p:transition spd="med" p14:dur="700">
         <p:fade/>
       </p:transition>
     </mc:Choice>
-    <mc:Fallback>
+    <mc:Fallback xmlns="">
       <p:transition spd="med">
         <p:fade/>
       </p:transition>
@@ -7730,13 +7791,13 @@
   <p:clrMapOvr>
     <a:masterClrMapping/>
   </p:clrMapOvr>
-  <mc:AlternateContent xmlns:mc="http://schemas.openxmlformats.org/markup-compatibility/2006">
-    <mc:Choice xmlns:p14="http://schemas.microsoft.com/office/powerpoint/2010/main" Requires="p14">
+  <mc:AlternateContent xmlns:mc="http://schemas.openxmlformats.org/markup-compatibility/2006" xmlns:p14="http://schemas.microsoft.com/office/powerpoint/2010/main">
+    <mc:Choice Requires="p14">
       <p:transition spd="med" p14:dur="700">
         <p:fade/>
       </p:transition>
     </mc:Choice>
-    <mc:Fallback>
+    <mc:Fallback xmlns="">
       <p:transition spd="med">
         <p:fade/>
       </p:transition>
@@ -8411,7 +8472,31 @@
           <a:p>
             <a:r>
               <a:rPr lang="en-US" sz="3200" dirty="0" smtClean="0"/>
-              <a:t>My name is John Doe.  I am a baker for 10 years in the US Army.  I am a graduate of Culinary Institute of America, a bread-making enthusiast, a guest writer for Bon </a:t>
+              <a:t>My name is John Doe.  I </a:t>
+            </a:r>
+            <a:r>
+              <a:rPr lang="en-US" sz="3200" dirty="0" smtClean="0"/>
+              <a:t>was </a:t>
+            </a:r>
+            <a:r>
+              <a:rPr lang="en-US" sz="3200" dirty="0" smtClean="0"/>
+              <a:t>a baker </a:t>
+            </a:r>
+            <a:r>
+              <a:rPr lang="en-US" sz="3200" dirty="0" smtClean="0"/>
+              <a:t>in the </a:t>
+            </a:r>
+            <a:r>
+              <a:rPr lang="en-US" sz="3200" dirty="0" smtClean="0"/>
+              <a:t>US Army </a:t>
+            </a:r>
+            <a:r>
+              <a:rPr lang="en-US" sz="3200" dirty="0" smtClean="0"/>
+              <a:t>for 10 years.  </a:t>
+            </a:r>
+            <a:r>
+              <a:rPr lang="en-US" sz="3200" dirty="0" smtClean="0"/>
+              <a:t>I am a graduate of Culinary Institute of America, a bread-making enthusiast, a guest writer for Bon </a:t>
             </a:r>
             <a:r>
               <a:rPr lang="en-US" sz="3200" dirty="0" err="1" smtClean="0"/>
@@ -8444,13 +8529,13 @@
   <p:clrMapOvr>
     <a:masterClrMapping/>
   </p:clrMapOvr>
-  <mc:AlternateContent xmlns:mc="http://schemas.openxmlformats.org/markup-compatibility/2006">
-    <mc:Choice xmlns:p14="http://schemas.microsoft.com/office/powerpoint/2010/main" Requires="p14">
+  <mc:AlternateContent xmlns:mc="http://schemas.openxmlformats.org/markup-compatibility/2006" xmlns:p14="http://schemas.microsoft.com/office/powerpoint/2010/main">
+    <mc:Choice Requires="p14">
       <p:transition spd="med" p14:dur="700">
         <p:fade/>
       </p:transition>
     </mc:Choice>
-    <mc:Fallback>
+    <mc:Fallback xmlns="">
       <p:transition spd="med">
         <p:fade/>
       </p:transition>
@@ -8783,13 +8868,13 @@
   <p:clrMapOvr>
     <a:masterClrMapping/>
   </p:clrMapOvr>
-  <mc:AlternateContent xmlns:mc="http://schemas.openxmlformats.org/markup-compatibility/2006">
-    <mc:Choice xmlns:p14="http://schemas.microsoft.com/office/powerpoint/2010/main" Requires="p14">
+  <mc:AlternateContent xmlns:mc="http://schemas.openxmlformats.org/markup-compatibility/2006" xmlns:p14="http://schemas.microsoft.com/office/powerpoint/2010/main">
+    <mc:Choice Requires="p14">
       <p:transition spd="med" p14:dur="700">
         <p:fade/>
       </p:transition>
     </mc:Choice>
-    <mc:Fallback>
+    <mc:Fallback xmlns="">
       <p:transition spd="med">
         <p:fade/>
       </p:transition>
@@ -9119,8 +9204,21 @@
           <a:p>
             <a:r>
               <a:rPr lang="en-US" sz="3200" dirty="0" smtClean="0"/>
-              <a:t>Hi! My name is _______, and I am a Truck Driver.  I drove tractor-trailer combinations in the US Military and I have over five years experience with over-the-road and local deliveries.  I have a clean driving record, I’m always on-time, and I never received DOT record violations.  I am born to be a trucker.</a:t>
-            </a:r>
+              <a:t>Hi! My name </a:t>
+            </a:r>
+            <a:r>
+              <a:rPr lang="en-US" sz="3200" dirty="0" smtClean="0"/>
+              <a:t>is Sarah, </a:t>
+            </a:r>
+            <a:r>
+              <a:rPr lang="en-US" sz="3200" dirty="0" smtClean="0"/>
+              <a:t>and I am a Truck Driver.  I drove tractor-trailer combinations in the US Military and I have over five years experience with over-the-road and local deliveries.  I have a clean driving record, I’m always on-time, and I never received DOT record </a:t>
+            </a:r>
+            <a:r>
+              <a:rPr lang="en-US" sz="3200" dirty="0" smtClean="0"/>
+              <a:t>violations, which makes me the best candidate.</a:t>
+            </a:r>
+            <a:endParaRPr lang="en-US" sz="3200" dirty="0" smtClean="0"/>
           </a:p>
         </p:txBody>
       </p:sp>
@@ -9134,13 +9232,13 @@
   <p:clrMapOvr>
     <a:masterClrMapping/>
   </p:clrMapOvr>
-  <mc:AlternateContent xmlns:mc="http://schemas.openxmlformats.org/markup-compatibility/2006">
-    <mc:Choice xmlns:p14="http://schemas.microsoft.com/office/powerpoint/2010/main" Requires="p14">
+  <mc:AlternateContent xmlns:mc="http://schemas.openxmlformats.org/markup-compatibility/2006" xmlns:p14="http://schemas.microsoft.com/office/powerpoint/2010/main">
+    <mc:Choice Requires="p14">
       <p:transition spd="med" p14:dur="700">
         <p:fade/>
       </p:transition>
     </mc:Choice>
-    <mc:Fallback>
+    <mc:Fallback xmlns="">
       <p:transition spd="med">
         <p:fade/>
       </p:transition>
@@ -9399,13 +9497,13 @@
   <p:clrMapOvr>
     <a:masterClrMapping/>
   </p:clrMapOvr>
-  <mc:AlternateContent xmlns:mc="http://schemas.openxmlformats.org/markup-compatibility/2006">
-    <mc:Choice xmlns:p14="http://schemas.microsoft.com/office/powerpoint/2010/main" Requires="p14">
+  <mc:AlternateContent xmlns:mc="http://schemas.openxmlformats.org/markup-compatibility/2006" xmlns:p14="http://schemas.microsoft.com/office/powerpoint/2010/main">
+    <mc:Choice Requires="p14">
       <p:transition spd="med" p14:dur="700">
         <p:fade/>
       </p:transition>
     </mc:Choice>
-    <mc:Fallback>
+    <mc:Fallback xmlns="">
       <p:transition spd="med">
         <p:fade/>
       </p:transition>
@@ -10364,7 +10462,15 @@
           <a:p>
             <a:r>
               <a:rPr lang="en-US" dirty="0" smtClean="0"/>
-              <a:t>I help people find what they need.</a:t>
+              <a:t>I </a:t>
+            </a:r>
+            <a:r>
+              <a:rPr lang="en-US" dirty="0" smtClean="0"/>
+              <a:t>helped </a:t>
+            </a:r>
+            <a:r>
+              <a:rPr lang="en-US" dirty="0" smtClean="0"/>
+              <a:t>people find what they need.</a:t>
             </a:r>
           </a:p>
           <a:p>
@@ -10376,7 +10482,39 @@
           <a:p>
             <a:r>
               <a:rPr lang="en-US" dirty="0" smtClean="0"/>
-              <a:t>I exceeded sales quota, earned customer trust, retained customers, and increased client base.</a:t>
+              <a:t>I </a:t>
+            </a:r>
+            <a:r>
+              <a:rPr lang="en-US" dirty="0" smtClean="0"/>
+              <a:t>exceeded </a:t>
+            </a:r>
+            <a:r>
+              <a:rPr lang="en-US" dirty="0" smtClean="0"/>
+              <a:t>sales quota, </a:t>
+            </a:r>
+            <a:r>
+              <a:rPr lang="en-US" dirty="0" smtClean="0"/>
+              <a:t>earned </a:t>
+            </a:r>
+            <a:r>
+              <a:rPr lang="en-US" dirty="0" smtClean="0"/>
+              <a:t>customer trust, </a:t>
+            </a:r>
+            <a:r>
+              <a:rPr lang="en-US" dirty="0" smtClean="0"/>
+              <a:t>retained </a:t>
+            </a:r>
+            <a:r>
+              <a:rPr lang="en-US" dirty="0" smtClean="0"/>
+              <a:t>customers, and </a:t>
+            </a:r>
+            <a:r>
+              <a:rPr lang="en-US" dirty="0" smtClean="0"/>
+              <a:t>increased </a:t>
+            </a:r>
+            <a:r>
+              <a:rPr lang="en-US" dirty="0" smtClean="0"/>
+              <a:t>client base.</a:t>
             </a:r>
             <a:endParaRPr lang="en-US" dirty="0"/>
           </a:p>
@@ -10392,13 +10530,13 @@
   <p:clrMapOvr>
     <a:masterClrMapping/>
   </p:clrMapOvr>
-  <mc:AlternateContent xmlns:mc="http://schemas.openxmlformats.org/markup-compatibility/2006">
-    <mc:Choice xmlns:p14="http://schemas.microsoft.com/office/powerpoint/2010/main" Requires="p14">
+  <mc:AlternateContent xmlns:mc="http://schemas.openxmlformats.org/markup-compatibility/2006" xmlns:p14="http://schemas.microsoft.com/office/powerpoint/2010/main">
+    <mc:Choice Requires="p14">
       <p:transition spd="med" p14:dur="700">
         <p:fade/>
       </p:transition>
     </mc:Choice>
-    <mc:Fallback>
+    <mc:Fallback xmlns="">
       <p:transition spd="med">
         <p:fade/>
       </p:transition>
